--- a/presentation/Presentation_W2.pptx
+++ b/presentation/Presentation_W2.pptx
@@ -176,7 +176,7 @@
   <pc:docChgLst>
     <pc:chgData name="Dominik Buchegger" userId="7f2052fac20aabcc" providerId="LiveId" clId="{45D24336-3B01-4C01-AABB-350DEA52559A}"/>
     <pc:docChg chg="undo custSel addSld delSld modSld sldOrd">
-      <pc:chgData name="Dominik Buchegger" userId="7f2052fac20aabcc" providerId="LiveId" clId="{45D24336-3B01-4C01-AABB-350DEA52559A}" dt="2023-03-02T19:11:37.373" v="416" actId="47"/>
+      <pc:chgData name="Dominik Buchegger" userId="7f2052fac20aabcc" providerId="LiveId" clId="{45D24336-3B01-4C01-AABB-350DEA52559A}" dt="2023-03-10T10:06:14.800" v="420" actId="20577"/>
       <pc:docMkLst>
         <pc:docMk/>
       </pc:docMkLst>
@@ -680,12 +680,20 @@
           <pc:sldMk cId="2076156779" sldId="1469"/>
         </pc:sldMkLst>
       </pc:sldChg>
-      <pc:sldChg chg="add ord">
-        <pc:chgData name="Dominik Buchegger" userId="7f2052fac20aabcc" providerId="LiveId" clId="{45D24336-3B01-4C01-AABB-350DEA52559A}" dt="2023-03-02T19:11:27.903" v="415"/>
+      <pc:sldChg chg="modSp add mod ord">
+        <pc:chgData name="Dominik Buchegger" userId="7f2052fac20aabcc" providerId="LiveId" clId="{45D24336-3B01-4C01-AABB-350DEA52559A}" dt="2023-03-10T10:03:12.824" v="418" actId="20577"/>
         <pc:sldMkLst>
           <pc:docMk/>
           <pc:sldMk cId="1056828283" sldId="1471"/>
         </pc:sldMkLst>
+        <pc:spChg chg="mod">
+          <ac:chgData name="Dominik Buchegger" userId="7f2052fac20aabcc" providerId="LiveId" clId="{45D24336-3B01-4C01-AABB-350DEA52559A}" dt="2023-03-10T10:03:12.824" v="418" actId="20577"/>
+          <ac:spMkLst>
+            <pc:docMk/>
+            <pc:sldMk cId="1056828283" sldId="1471"/>
+            <ac:spMk id="5" creationId="{CBFB4D1C-B83D-AA4D-2F03-A9F3D41BA0ED}"/>
+          </ac:spMkLst>
+        </pc:spChg>
       </pc:sldChg>
       <pc:sldChg chg="del">
         <pc:chgData name="Dominik Buchegger" userId="7f2052fac20aabcc" providerId="LiveId" clId="{45D24336-3B01-4C01-AABB-350DEA52559A}" dt="2023-03-02T18:46:01.934" v="23" actId="47"/>
@@ -770,6 +778,21 @@
             <pc:docMk/>
             <pc:sldMk cId="2447692118" sldId="1480"/>
             <ac:spMk id="2" creationId="{76EA407A-0B5B-9B6F-C9D4-877962AE18C5}"/>
+          </ac:spMkLst>
+        </pc:spChg>
+      </pc:sldChg>
+      <pc:sldChg chg="modSp mod">
+        <pc:chgData name="Dominik Buchegger" userId="7f2052fac20aabcc" providerId="LiveId" clId="{45D24336-3B01-4C01-AABB-350DEA52559A}" dt="2023-03-10T10:06:14.800" v="420" actId="20577"/>
+        <pc:sldMkLst>
+          <pc:docMk/>
+          <pc:sldMk cId="526965398" sldId="1483"/>
+        </pc:sldMkLst>
+        <pc:spChg chg="mod">
+          <ac:chgData name="Dominik Buchegger" userId="7f2052fac20aabcc" providerId="LiveId" clId="{45D24336-3B01-4C01-AABB-350DEA52559A}" dt="2023-03-10T10:06:14.800" v="420" actId="20577"/>
+          <ac:spMkLst>
+            <pc:docMk/>
+            <pc:sldMk cId="526965398" sldId="1483"/>
+            <ac:spMk id="4" creationId="{2A3EF0DA-D28A-3194-1F32-47FDCCFE784C}"/>
           </ac:spMkLst>
         </pc:spChg>
       </pc:sldChg>
@@ -1120,7 +1143,7 @@
           <a:p>
             <a:fld id="{F78F3C46-3F11-47F1-8233-2D2A4F656EAA}" type="datetimeFigureOut">
               <a:rPr lang="de-DE" smtClean="0"/>
-              <a:t>02.03.2023</a:t>
+              <a:t>10.03.2023</a:t>
             </a:fld>
             <a:endParaRPr lang="de-DE"/>
           </a:p>
@@ -11789,7 +11812,7 @@
           <a:p>
             <a:fld id="{A13E6C7B-4268-4C4E-8782-B736244EDCB2}" type="datetime1">
               <a:rPr lang="en-US" smtClean="0"/>
-              <a:t>3/2/2023</a:t>
+              <a:t>3/10/2023</a:t>
             </a:fld>
             <a:endParaRPr lang="en-US"/>
           </a:p>
@@ -12204,7 +12227,7 @@
           <a:p>
             <a:fld id="{0D077020-D478-4200-B41F-16299167961D}" type="datetimeFigureOut">
               <a:rPr lang="en-GB" smtClean="0"/>
-              <a:t>02/03/2023</a:t>
+              <a:t>10/03/2023</a:t>
             </a:fld>
             <a:endParaRPr lang="en-GB"/>
           </a:p>
@@ -24165,8 +24188,8 @@
               <a:t>Exercise</a:t>
             </a:r>
             <a:r>
-              <a:rPr lang="de-CH" sz="3600" dirty="0"/>
-              <a:t> 1</a:t>
+              <a:rPr lang="de-CH" sz="3600"/>
+              <a:t> 2</a:t>
             </a:r>
             <a:endParaRPr lang="en-GB" sz="3600" dirty="0"/>
           </a:p>
@@ -25559,48 +25582,32 @@
           <a:lstStyle/>
           <a:p>
             <a:r>
-              <a:rPr lang="de-CH" err="1"/>
+              <a:rPr lang="de-CH" dirty="0" err="1"/>
               <a:t>How</a:t>
             </a:r>
             <a:r>
-              <a:rPr lang="de-CH"/>
+              <a:rPr lang="de-CH" dirty="0"/>
+              <a:t> to </a:t>
+            </a:r>
+            <a:r>
+              <a:rPr lang="de-CH" dirty="0" err="1"/>
+              <a:t>use</a:t>
+            </a:r>
+            <a:r>
+              <a:rPr lang="de-CH" dirty="0"/>
               <a:t> </a:t>
             </a:r>
             <a:r>
-              <a:rPr lang="de-CH" err="1"/>
-              <a:t>to</a:t>
-            </a:r>
-            <a:r>
-              <a:rPr lang="de-CH"/>
-              <a:t> </a:t>
-            </a:r>
-            <a:r>
-              <a:rPr lang="de-CH" err="1"/>
-              <a:t>use</a:t>
-            </a:r>
-            <a:r>
-              <a:rPr lang="de-CH"/>
-              <a:t> </a:t>
-            </a:r>
-            <a:r>
-              <a:rPr lang="de-CH" err="1"/>
+              <a:rPr lang="de-CH" dirty="0" err="1"/>
               <a:t>the</a:t>
             </a:r>
             <a:r>
-              <a:rPr lang="de-CH"/>
-              <a:t> </a:t>
-            </a:r>
-            <a:r>
-              <a:rPr lang="de-CH" err="1"/>
-              <a:t>function</a:t>
-            </a:r>
-            <a:r>
-              <a:rPr lang="de-CH"/>
-              <a:t>: </a:t>
-            </a:r>
-          </a:p>
-          <a:p>
-            <a:endParaRPr lang="de-CH"/>
+              <a:rPr lang="de-CH" dirty="0"/>
+              <a:t> function: </a:t>
+            </a:r>
+          </a:p>
+          <a:p>
+            <a:endParaRPr lang="de-CH" dirty="0"/>
           </a:p>
           <a:p>
             <a:pPr>
@@ -25609,90 +25616,66 @@
               </a:tabLst>
             </a:pPr>
             <a:r>
-              <a:rPr lang="de-CH" sz="1100" err="1"/>
+              <a:rPr lang="de-CH" sz="1100" dirty="0" err="1"/>
               <a:t>range</a:t>
             </a:r>
             <a:r>
-              <a:rPr lang="de-CH" sz="1100"/>
+              <a:rPr lang="de-CH" sz="1100" dirty="0"/>
               <a:t>(5) 	</a:t>
+            </a:r>
+            <a:r>
+              <a:rPr lang="de-CH" sz="1100" dirty="0">
+                <a:sym typeface="Wingdings" panose="05000000000000000000" pitchFamily="2" charset="2"/>
+              </a:rPr>
+              <a:t> </a:t>
+            </a:r>
+            <a:r>
+              <a:rPr lang="de-CH" sz="1100" dirty="0" err="1">
+                <a:sym typeface="Wingdings" panose="05000000000000000000" pitchFamily="2" charset="2"/>
+              </a:rPr>
+              <a:t>start</a:t>
             </a:r>
             <a:r>
               <a:rPr lang="de-CH" sz="1100">
                 <a:sym typeface="Wingdings" panose="05000000000000000000" pitchFamily="2" charset="2"/>
               </a:rPr>
-              <a:t> </a:t>
-            </a:r>
-            <a:r>
-              <a:rPr lang="de-CH" sz="1100" err="1">
+              <a:t> at 0, </a:t>
+            </a:r>
+            <a:r>
+              <a:rPr lang="de-CH" sz="1100" dirty="0" err="1">
                 <a:sym typeface="Wingdings" panose="05000000000000000000" pitchFamily="2" charset="2"/>
               </a:rPr>
-              <a:t>start</a:t>
-            </a:r>
-            <a:r>
-              <a:rPr lang="de-CH" sz="1100">
+              <a:t>stop</a:t>
+            </a:r>
+            <a:r>
+              <a:rPr lang="de-CH" sz="1100" dirty="0">
                 <a:sym typeface="Wingdings" panose="05000000000000000000" pitchFamily="2" charset="2"/>
               </a:rPr>
-              <a:t> at 1, </a:t>
-            </a:r>
-            <a:r>
-              <a:rPr lang="de-CH" sz="1100" err="1">
+              <a:t> before 5, </a:t>
+            </a:r>
+            <a:r>
+              <a:rPr lang="de-CH" sz="1100" dirty="0" err="1">
                 <a:sym typeface="Wingdings" panose="05000000000000000000" pitchFamily="2" charset="2"/>
               </a:rPr>
-              <a:t>stop</a:t>
-            </a:r>
-            <a:r>
-              <a:rPr lang="de-CH" sz="1100">
+              <a:t>make</a:t>
+            </a:r>
+            <a:r>
+              <a:rPr lang="de-CH" sz="1100" dirty="0">
                 <a:sym typeface="Wingdings" panose="05000000000000000000" pitchFamily="2" charset="2"/>
               </a:rPr>
               <a:t> </a:t>
             </a:r>
             <a:r>
-              <a:rPr lang="de-CH" sz="1100" err="1">
+              <a:rPr lang="de-CH" sz="1100" dirty="0" err="1">
                 <a:sym typeface="Wingdings" panose="05000000000000000000" pitchFamily="2" charset="2"/>
               </a:rPr>
-              <a:t>before</a:t>
-            </a:r>
-            <a:r>
-              <a:rPr lang="de-CH" sz="1100">
+              <a:t>steps</a:t>
+            </a:r>
+            <a:r>
+              <a:rPr lang="de-CH" sz="1100" dirty="0">
                 <a:sym typeface="Wingdings" panose="05000000000000000000" pitchFamily="2" charset="2"/>
               </a:rPr>
-              <a:t> 5, </a:t>
-            </a:r>
-            <a:r>
-              <a:rPr lang="de-CH" sz="1100" err="1">
-                <a:sym typeface="Wingdings" panose="05000000000000000000" pitchFamily="2" charset="2"/>
-              </a:rPr>
-              <a:t>make</a:t>
-            </a:r>
-            <a:r>
-              <a:rPr lang="de-CH" sz="1100">
-                <a:sym typeface="Wingdings" panose="05000000000000000000" pitchFamily="2" charset="2"/>
-              </a:rPr>
-              <a:t> </a:t>
-            </a:r>
-            <a:r>
-              <a:rPr lang="de-CH" sz="1100" err="1">
-                <a:sym typeface="Wingdings" panose="05000000000000000000" pitchFamily="2" charset="2"/>
-              </a:rPr>
-              <a:t>steps</a:t>
-            </a:r>
-            <a:r>
-              <a:rPr lang="de-CH" sz="1100">
-                <a:sym typeface="Wingdings" panose="05000000000000000000" pitchFamily="2" charset="2"/>
-              </a:rPr>
-              <a:t> </a:t>
-            </a:r>
-            <a:r>
-              <a:rPr lang="de-CH" sz="1100" err="1">
-                <a:sym typeface="Wingdings" panose="05000000000000000000" pitchFamily="2" charset="2"/>
-              </a:rPr>
-              <a:t>of</a:t>
-            </a:r>
-            <a:r>
-              <a:rPr lang="de-CH" sz="1100">
-                <a:sym typeface="Wingdings" panose="05000000000000000000" pitchFamily="2" charset="2"/>
-              </a:rPr>
-              <a:t> 1</a:t>
+              <a:t> of 1</a:t>
             </a:r>
           </a:p>
           <a:p>
@@ -25702,88 +25685,64 @@
               </a:tabLst>
             </a:pPr>
             <a:r>
-              <a:rPr lang="de-CH" sz="1100" err="1">
+              <a:rPr lang="de-CH" sz="1100" dirty="0" err="1">
                 <a:sym typeface="Wingdings" panose="05000000000000000000" pitchFamily="2" charset="2"/>
               </a:rPr>
               <a:t>range</a:t>
             </a:r>
             <a:r>
-              <a:rPr lang="de-CH" sz="1100">
+              <a:rPr lang="de-CH" sz="1100" dirty="0">
                 <a:sym typeface="Wingdings" panose="05000000000000000000" pitchFamily="2" charset="2"/>
               </a:rPr>
               <a:t>(1, 5) 	 </a:t>
             </a:r>
             <a:r>
-              <a:rPr lang="de-CH" sz="1100" err="1">
+              <a:rPr lang="de-CH" sz="1100" dirty="0" err="1">
                 <a:sym typeface="Wingdings" panose="05000000000000000000" pitchFamily="2" charset="2"/>
               </a:rPr>
               <a:t>start</a:t>
             </a:r>
             <a:r>
-              <a:rPr lang="de-CH" sz="1100">
+              <a:rPr lang="de-CH" sz="1100" dirty="0">
                 <a:sym typeface="Wingdings" panose="05000000000000000000" pitchFamily="2" charset="2"/>
               </a:rPr>
               <a:t> at 1, </a:t>
             </a:r>
             <a:r>
-              <a:rPr lang="de-CH" sz="1100" err="1">
+              <a:rPr lang="de-CH" sz="1100" dirty="0" err="1">
                 <a:sym typeface="Wingdings" panose="05000000000000000000" pitchFamily="2" charset="2"/>
               </a:rPr>
               <a:t>stop</a:t>
             </a:r>
             <a:r>
-              <a:rPr lang="de-CH" sz="1100">
+              <a:rPr lang="de-CH" sz="1100" dirty="0">
                 <a:sym typeface="Wingdings" panose="05000000000000000000" pitchFamily="2" charset="2"/>
               </a:rPr>
+              <a:t> before 5, </a:t>
+            </a:r>
+            <a:r>
+              <a:rPr lang="de-CH" sz="1100" dirty="0" err="1">
+                <a:sym typeface="Wingdings" panose="05000000000000000000" pitchFamily="2" charset="2"/>
+              </a:rPr>
+              <a:t>make</a:t>
+            </a:r>
+            <a:r>
+              <a:rPr lang="de-CH" sz="1100" dirty="0">
+                <a:sym typeface="Wingdings" panose="05000000000000000000" pitchFamily="2" charset="2"/>
+              </a:rPr>
               <a:t> </a:t>
             </a:r>
             <a:r>
-              <a:rPr lang="de-CH" sz="1100" err="1">
+              <a:rPr lang="de-CH" sz="1100" dirty="0" err="1">
                 <a:sym typeface="Wingdings" panose="05000000000000000000" pitchFamily="2" charset="2"/>
               </a:rPr>
-              <a:t>before</a:t>
-            </a:r>
-            <a:r>
-              <a:rPr lang="de-CH" sz="1100">
+              <a:t>steps</a:t>
+            </a:r>
+            <a:r>
+              <a:rPr lang="de-CH" sz="1100" dirty="0">
                 <a:sym typeface="Wingdings" panose="05000000000000000000" pitchFamily="2" charset="2"/>
               </a:rPr>
-              <a:t> 5, </a:t>
-            </a:r>
-            <a:r>
-              <a:rPr lang="de-CH" sz="1100" err="1">
-                <a:sym typeface="Wingdings" panose="05000000000000000000" pitchFamily="2" charset="2"/>
-              </a:rPr>
-              <a:t>make</a:t>
-            </a:r>
-            <a:r>
-              <a:rPr lang="de-CH" sz="1100">
-                <a:sym typeface="Wingdings" panose="05000000000000000000" pitchFamily="2" charset="2"/>
-              </a:rPr>
-              <a:t> </a:t>
-            </a:r>
-            <a:r>
-              <a:rPr lang="de-CH" sz="1100" err="1">
-                <a:sym typeface="Wingdings" panose="05000000000000000000" pitchFamily="2" charset="2"/>
-              </a:rPr>
-              <a:t>steps</a:t>
-            </a:r>
-            <a:r>
-              <a:rPr lang="de-CH" sz="1100">
-                <a:sym typeface="Wingdings" panose="05000000000000000000" pitchFamily="2" charset="2"/>
-              </a:rPr>
-              <a:t> </a:t>
-            </a:r>
-            <a:r>
-              <a:rPr lang="de-CH" sz="1100" err="1">
-                <a:sym typeface="Wingdings" panose="05000000000000000000" pitchFamily="2" charset="2"/>
-              </a:rPr>
-              <a:t>of</a:t>
-            </a:r>
-            <a:r>
-              <a:rPr lang="de-CH" sz="1100">
-                <a:sym typeface="Wingdings" panose="05000000000000000000" pitchFamily="2" charset="2"/>
-              </a:rPr>
-              <a:t> 1</a:t>
+              <a:t> of 1</a:t>
             </a:r>
           </a:p>
           <a:p>
@@ -25793,88 +25752,64 @@
               </a:tabLst>
             </a:pPr>
             <a:r>
-              <a:rPr lang="de-CH" sz="1100" err="1">
+              <a:rPr lang="de-CH" sz="1100" dirty="0" err="1">
                 <a:sym typeface="Wingdings" panose="05000000000000000000" pitchFamily="2" charset="2"/>
               </a:rPr>
               <a:t>range</a:t>
             </a:r>
             <a:r>
-              <a:rPr lang="de-CH" sz="1100">
+              <a:rPr lang="de-CH" sz="1100" dirty="0">
                 <a:sym typeface="Wingdings" panose="05000000000000000000" pitchFamily="2" charset="2"/>
               </a:rPr>
               <a:t>(1, 5, 2) 	 </a:t>
             </a:r>
             <a:r>
-              <a:rPr lang="de-CH" sz="1100" err="1">
+              <a:rPr lang="de-CH" sz="1100" dirty="0" err="1">
                 <a:sym typeface="Wingdings" panose="05000000000000000000" pitchFamily="2" charset="2"/>
               </a:rPr>
               <a:t>start</a:t>
             </a:r>
             <a:r>
-              <a:rPr lang="de-CH" sz="1100">
+              <a:rPr lang="de-CH" sz="1100" dirty="0">
                 <a:sym typeface="Wingdings" panose="05000000000000000000" pitchFamily="2" charset="2"/>
               </a:rPr>
               <a:t> at 1, </a:t>
             </a:r>
             <a:r>
-              <a:rPr lang="de-CH" sz="1100" err="1">
+              <a:rPr lang="de-CH" sz="1100" dirty="0" err="1">
                 <a:sym typeface="Wingdings" panose="05000000000000000000" pitchFamily="2" charset="2"/>
               </a:rPr>
               <a:t>stop</a:t>
             </a:r>
             <a:r>
-              <a:rPr lang="de-CH" sz="1100">
+              <a:rPr lang="de-CH" sz="1100" dirty="0">
                 <a:sym typeface="Wingdings" panose="05000000000000000000" pitchFamily="2" charset="2"/>
               </a:rPr>
+              <a:t> before 5, </a:t>
+            </a:r>
+            <a:r>
+              <a:rPr lang="de-CH" sz="1100" dirty="0" err="1">
+                <a:sym typeface="Wingdings" panose="05000000000000000000" pitchFamily="2" charset="2"/>
+              </a:rPr>
+              <a:t>make</a:t>
+            </a:r>
+            <a:r>
+              <a:rPr lang="de-CH" sz="1100" dirty="0">
+                <a:sym typeface="Wingdings" panose="05000000000000000000" pitchFamily="2" charset="2"/>
+              </a:rPr>
               <a:t> </a:t>
             </a:r>
             <a:r>
-              <a:rPr lang="de-CH" sz="1100" err="1">
+              <a:rPr lang="de-CH" sz="1100" dirty="0" err="1">
                 <a:sym typeface="Wingdings" panose="05000000000000000000" pitchFamily="2" charset="2"/>
               </a:rPr>
-              <a:t>before</a:t>
-            </a:r>
-            <a:r>
-              <a:rPr lang="de-CH" sz="1100">
+              <a:t>steps</a:t>
+            </a:r>
+            <a:r>
+              <a:rPr lang="de-CH" sz="1100" dirty="0">
                 <a:sym typeface="Wingdings" panose="05000000000000000000" pitchFamily="2" charset="2"/>
               </a:rPr>
-              <a:t> 5, </a:t>
-            </a:r>
-            <a:r>
-              <a:rPr lang="de-CH" sz="1100" err="1">
-                <a:sym typeface="Wingdings" panose="05000000000000000000" pitchFamily="2" charset="2"/>
-              </a:rPr>
-              <a:t>make</a:t>
-            </a:r>
-            <a:r>
-              <a:rPr lang="de-CH" sz="1100">
-                <a:sym typeface="Wingdings" panose="05000000000000000000" pitchFamily="2" charset="2"/>
-              </a:rPr>
-              <a:t> </a:t>
-            </a:r>
-            <a:r>
-              <a:rPr lang="de-CH" sz="1100" err="1">
-                <a:sym typeface="Wingdings" panose="05000000000000000000" pitchFamily="2" charset="2"/>
-              </a:rPr>
-              <a:t>steps</a:t>
-            </a:r>
-            <a:r>
-              <a:rPr lang="de-CH" sz="1100">
-                <a:sym typeface="Wingdings" panose="05000000000000000000" pitchFamily="2" charset="2"/>
-              </a:rPr>
-              <a:t> </a:t>
-            </a:r>
-            <a:r>
-              <a:rPr lang="de-CH" sz="1100" err="1">
-                <a:sym typeface="Wingdings" panose="05000000000000000000" pitchFamily="2" charset="2"/>
-              </a:rPr>
-              <a:t>of</a:t>
-            </a:r>
-            <a:r>
-              <a:rPr lang="de-CH" sz="1100">
-                <a:sym typeface="Wingdings" panose="05000000000000000000" pitchFamily="2" charset="2"/>
-              </a:rPr>
-              <a:t> 2</a:t>
+              <a:t> of 2</a:t>
             </a:r>
           </a:p>
           <a:p>
@@ -25883,7 +25818,7 @@
                 <a:tab pos="895350" algn="l"/>
               </a:tabLst>
             </a:pPr>
-            <a:endParaRPr lang="de-CH" sz="1100"/>
+            <a:endParaRPr lang="de-CH" sz="1100" dirty="0"/>
           </a:p>
           <a:p>
             <a:pPr>
@@ -25892,74 +25827,74 @@
               </a:tabLst>
             </a:pPr>
             <a:r>
-              <a:rPr lang="de-CH" sz="1100" err="1"/>
+              <a:rPr lang="de-CH" sz="1100" dirty="0" err="1"/>
               <a:t>range</a:t>
             </a:r>
             <a:r>
-              <a:rPr lang="de-CH" sz="1100"/>
+              <a:rPr lang="de-CH" sz="1100" dirty="0"/>
               <a:t>(0, x, 1)	</a:t>
             </a:r>
             <a:r>
-              <a:rPr lang="de-CH" sz="1100">
+              <a:rPr lang="de-CH" sz="1100" dirty="0">
                 <a:sym typeface="Wingdings" panose="05000000000000000000" pitchFamily="2" charset="2"/>
               </a:rPr>
               <a:t> </a:t>
             </a:r>
             <a:r>
-              <a:rPr lang="de-CH" sz="1100" err="1">
+              <a:rPr lang="de-CH" sz="1100" dirty="0" err="1">
                 <a:sym typeface="Wingdings" panose="05000000000000000000" pitchFamily="2" charset="2"/>
               </a:rPr>
               <a:t>default</a:t>
             </a:r>
             <a:r>
-              <a:rPr lang="de-CH" sz="1100">
+              <a:rPr lang="de-CH" sz="1100" dirty="0">
                 <a:sym typeface="Wingdings" panose="05000000000000000000" pitchFamily="2" charset="2"/>
               </a:rPr>
               <a:t> </a:t>
             </a:r>
             <a:r>
-              <a:rPr lang="de-CH" sz="1100" err="1">
+              <a:rPr lang="de-CH" sz="1100" dirty="0" err="1">
                 <a:sym typeface="Wingdings" panose="05000000000000000000" pitchFamily="2" charset="2"/>
               </a:rPr>
               <a:t>parameters</a:t>
             </a:r>
             <a:r>
-              <a:rPr lang="de-CH" sz="1100">
+              <a:rPr lang="de-CH" sz="1100" dirty="0">
                 <a:sym typeface="Wingdings" panose="05000000000000000000" pitchFamily="2" charset="2"/>
               </a:rPr>
               <a:t>, </a:t>
             </a:r>
             <a:r>
-              <a:rPr lang="de-CH" sz="1100" err="1">
+              <a:rPr lang="de-CH" sz="1100" dirty="0" err="1">
                 <a:sym typeface="Wingdings" panose="05000000000000000000" pitchFamily="2" charset="2"/>
               </a:rPr>
               <a:t>if</a:t>
             </a:r>
             <a:r>
-              <a:rPr lang="de-CH" sz="1100">
+              <a:rPr lang="de-CH" sz="1100" dirty="0">
                 <a:sym typeface="Wingdings" panose="05000000000000000000" pitchFamily="2" charset="2"/>
               </a:rPr>
               <a:t> not </a:t>
             </a:r>
             <a:r>
-              <a:rPr lang="de-CH" sz="1100" err="1">
+              <a:rPr lang="de-CH" sz="1100" dirty="0" err="1">
                 <a:sym typeface="Wingdings" panose="05000000000000000000" pitchFamily="2" charset="2"/>
               </a:rPr>
               <a:t>specified</a:t>
             </a:r>
             <a:r>
-              <a:rPr lang="de-CH" sz="1100">
+              <a:rPr lang="de-CH" sz="1100" dirty="0">
                 <a:sym typeface="Wingdings" panose="05000000000000000000" pitchFamily="2" charset="2"/>
               </a:rPr>
               <a:t> </a:t>
             </a:r>
             <a:r>
-              <a:rPr lang="de-CH" sz="1100" err="1">
+              <a:rPr lang="de-CH" sz="1100" dirty="0" err="1">
                 <a:sym typeface="Wingdings" panose="05000000000000000000" pitchFamily="2" charset="2"/>
               </a:rPr>
               <a:t>otherwise</a:t>
             </a:r>
-            <a:endParaRPr lang="de-CH" sz="1100"/>
+            <a:endParaRPr lang="de-CH" sz="1100" dirty="0"/>
           </a:p>
         </p:txBody>
       </p:sp>
